--- a/images/divs/cell_graphics.pptx
+++ b/images/divs/cell_graphics.pptx
@@ -115,10 +115,6 @@
 </p:presentation>
 </file>
 
-<file path=ppt/revisionInfo.xml><?xml version="1.0" encoding="utf-8"?>
-<p1510:revInfo xmlns:a="http://schemas.openxmlformats.org/drawingml/2006/main" xmlns:r="http://schemas.openxmlformats.org/officeDocument/2006/relationships" xmlns:p1510="http://schemas.microsoft.com/office/powerpoint/2015/10/main"/>
-</file>
-
 <file path=ppt/notesMasters/notesMaster1.xml><?xml version="1.0" encoding="utf-8"?>
 <p:notesMaster xmlns:a="http://schemas.openxmlformats.org/drawingml/2006/main" xmlns:r="http://schemas.openxmlformats.org/officeDocument/2006/relationships" xmlns:p="http://schemas.openxmlformats.org/presentationml/2006/main">
   <p:cSld>
@@ -201,7 +197,7 @@
           <a:p>
             <a:fld id="{3199B178-D250-475C-A703-77F17AFB4F7F}" type="datetimeFigureOut">
               <a:rPr lang="de-DE" smtClean="0"/>
-              <a:t>02.02.2018</a:t>
+              <a:t>12.02.2018</a:t>
             </a:fld>
             <a:endParaRPr lang="de-DE"/>
           </a:p>
@@ -699,7 +695,7 @@
           <a:p>
             <a:fld id="{95C8F911-1CCA-441F-A35D-A51C7BB9AC88}" type="datetime1">
               <a:rPr lang="de-DE" smtClean="0"/>
-              <a:t>02.02.2018</a:t>
+              <a:t>12.02.2018</a:t>
             </a:fld>
             <a:endParaRPr lang="de-DE"/>
           </a:p>
@@ -897,7 +893,7 @@
           <a:p>
             <a:fld id="{EA4F06FA-A7E2-4737-9FBF-17F8DA6DE3DF}" type="datetime1">
               <a:rPr lang="de-DE" smtClean="0"/>
-              <a:t>02.02.2018</a:t>
+              <a:t>12.02.2018</a:t>
             </a:fld>
             <a:endParaRPr lang="de-DE"/>
           </a:p>
@@ -1105,7 +1101,7 @@
           <a:p>
             <a:fld id="{18C936F6-D614-4228-AB96-9B60A1BBB0B2}" type="datetime1">
               <a:rPr lang="de-DE" smtClean="0"/>
-              <a:t>02.02.2018</a:t>
+              <a:t>12.02.2018</a:t>
             </a:fld>
             <a:endParaRPr lang="de-DE"/>
           </a:p>
@@ -1303,7 +1299,7 @@
           <a:p>
             <a:fld id="{FC34325F-FCD5-4233-BEE6-4AA6454DFB43}" type="datetime1">
               <a:rPr lang="de-DE" smtClean="0"/>
-              <a:t>02.02.2018</a:t>
+              <a:t>12.02.2018</a:t>
             </a:fld>
             <a:endParaRPr lang="de-DE"/>
           </a:p>
@@ -1578,7 +1574,7 @@
           <a:p>
             <a:fld id="{A684DF29-6420-4E40-818B-4C69B06F0413}" type="datetime1">
               <a:rPr lang="de-DE" smtClean="0"/>
-              <a:t>02.02.2018</a:t>
+              <a:t>12.02.2018</a:t>
             </a:fld>
             <a:endParaRPr lang="de-DE"/>
           </a:p>
@@ -1843,7 +1839,7 @@
           <a:p>
             <a:fld id="{EE43DD7F-183E-4685-953B-01EC9AF76A60}" type="datetime1">
               <a:rPr lang="de-DE" smtClean="0"/>
-              <a:t>02.02.2018</a:t>
+              <a:t>12.02.2018</a:t>
             </a:fld>
             <a:endParaRPr lang="de-DE"/>
           </a:p>
@@ -2255,7 +2251,7 @@
           <a:p>
             <a:fld id="{7E9B8D3D-5157-47D0-8B1A-2FF3BB76ACF0}" type="datetime1">
               <a:rPr lang="de-DE" smtClean="0"/>
-              <a:t>02.02.2018</a:t>
+              <a:t>12.02.2018</a:t>
             </a:fld>
             <a:endParaRPr lang="de-DE"/>
           </a:p>
@@ -2396,7 +2392,7 @@
           <a:p>
             <a:fld id="{76A8D89E-7F92-4777-B010-8C4C6C87E4B0}" type="datetime1">
               <a:rPr lang="de-DE" smtClean="0"/>
-              <a:t>02.02.2018</a:t>
+              <a:t>12.02.2018</a:t>
             </a:fld>
             <a:endParaRPr lang="de-DE"/>
           </a:p>
@@ -2509,7 +2505,7 @@
           <a:p>
             <a:fld id="{4C79F038-24B2-406D-8C00-FDFBAE5222D5}" type="datetime1">
               <a:rPr lang="de-DE" smtClean="0"/>
-              <a:t>02.02.2018</a:t>
+              <a:t>12.02.2018</a:t>
             </a:fld>
             <a:endParaRPr lang="de-DE"/>
           </a:p>
@@ -2820,7 +2816,7 @@
           <a:p>
             <a:fld id="{E111D85B-BFE6-488F-BC70-501BAD9150BB}" type="datetime1">
               <a:rPr lang="de-DE" smtClean="0"/>
-              <a:t>02.02.2018</a:t>
+              <a:t>12.02.2018</a:t>
             </a:fld>
             <a:endParaRPr lang="de-DE"/>
           </a:p>
@@ -3108,7 +3104,7 @@
           <a:p>
             <a:fld id="{54201ABD-0C4F-4352-8016-74D9868926A8}" type="datetime1">
               <a:rPr lang="de-DE" smtClean="0"/>
-              <a:t>02.02.2018</a:t>
+              <a:t>12.02.2018</a:t>
             </a:fld>
             <a:endParaRPr lang="de-DE"/>
           </a:p>
@@ -3349,7 +3345,7 @@
           <a:p>
             <a:fld id="{D8492BF0-B529-40A4-8DD4-4B60F3152FF9}" type="datetime1">
               <a:rPr lang="de-DE" smtClean="0"/>
-              <a:t>02.02.2018</a:t>
+              <a:t>12.02.2018</a:t>
             </a:fld>
             <a:endParaRPr lang="de-DE"/>
           </a:p>
@@ -3782,9 +3778,9 @@
           <p:nvPr/>
         </p:nvCxnSpPr>
         <p:spPr>
-          <a:xfrm>
-            <a:off x="1204675" y="1974609"/>
-            <a:ext cx="893259" cy="1"/>
+          <a:xfrm flipV="1">
+            <a:off x="1493520" y="1974612"/>
+            <a:ext cx="604414" cy="2781"/>
           </a:xfrm>
           <a:prstGeom prst="line">
             <a:avLst/>
@@ -3910,8 +3906,8 @@
         </p:nvSpPr>
         <p:spPr>
           <a:xfrm>
-            <a:off x="1354211" y="1981152"/>
-            <a:ext cx="796182" cy="246221"/>
+            <a:off x="1516410" y="2887258"/>
+            <a:ext cx="1057251" cy="261610"/>
           </a:xfrm>
           <a:prstGeom prst="rect">
             <a:avLst/>
@@ -3925,14 +3921,14 @@
           <a:lstStyle/>
           <a:p>
             <a:r>
-              <a:rPr lang="en-US" sz="1000" dirty="0"/>
-              <a:t>t</a:t>
-            </a:r>
-            <a:r>
-              <a:rPr lang="en-US" sz="800" dirty="0"/>
-              <a:t>0 (C0) = 3:30</a:t>
-            </a:r>
-            <a:endParaRPr lang="de-DE" sz="1000" dirty="0"/>
+              <a:rPr lang="en-US" sz="1100" dirty="0" err="1"/>
+              <a:t>Tdiv</a:t>
+            </a:r>
+            <a:r>
+              <a:rPr lang="en-US" sz="1100" dirty="0"/>
+              <a:t>(C0) = 3:30</a:t>
+            </a:r>
+            <a:endParaRPr lang="de-DE" sz="1100" dirty="0"/>
           </a:p>
         </p:txBody>
       </p:sp>
@@ -4050,7 +4046,7 @@
         </p:blipFill>
         <p:spPr>
           <a:xfrm>
-            <a:off x="3666575" y="1613567"/>
+            <a:off x="4040550" y="1035054"/>
             <a:ext cx="720000" cy="228169"/>
           </a:xfrm>
           <a:prstGeom prst="rect">
@@ -4086,7 +4082,7 @@
         </p:blipFill>
         <p:spPr>
           <a:xfrm>
-            <a:off x="1286237" y="1663604"/>
+            <a:off x="1298664" y="1666482"/>
             <a:ext cx="720000" cy="243453"/>
           </a:xfrm>
           <a:prstGeom prst="rect">
@@ -4122,7 +4118,7 @@
         </p:blipFill>
         <p:spPr>
           <a:xfrm>
-            <a:off x="2150393" y="1832833"/>
+            <a:off x="1709505" y="1086887"/>
             <a:ext cx="720000" cy="210857"/>
           </a:xfrm>
           <a:prstGeom prst="rect">
@@ -4158,7 +4154,7 @@
         </p:blipFill>
         <p:spPr>
           <a:xfrm>
-            <a:off x="3079290" y="2042305"/>
+            <a:off x="3463335" y="1775216"/>
             <a:ext cx="720000" cy="245107"/>
           </a:xfrm>
           <a:prstGeom prst="rect">
@@ -4524,8 +4520,8 @@
         </p:nvSpPr>
         <p:spPr>
           <a:xfrm>
-            <a:off x="3848151" y="2193012"/>
-            <a:ext cx="819455" cy="246221"/>
+            <a:off x="3141323" y="2872878"/>
+            <a:ext cx="1151277" cy="261610"/>
           </a:xfrm>
           <a:prstGeom prst="rect">
             <a:avLst/>
@@ -4533,60 +4529,60 @@
           <a:noFill/>
         </p:spPr>
         <p:txBody>
+          <a:bodyPr wrap="square" rtlCol="0">
+            <a:spAutoFit/>
+          </a:bodyPr>
+          <a:lstStyle/>
+          <a:p>
+            <a:r>
+              <a:rPr lang="en-US" sz="1100" dirty="0" err="1"/>
+              <a:t>Tdiv</a:t>
+            </a:r>
+            <a:r>
+              <a:rPr lang="en-US" sz="1100" dirty="0"/>
+              <a:t> (C2) = 24:40 </a:t>
+            </a:r>
+            <a:endParaRPr lang="de-DE" sz="1100" dirty="0"/>
+          </a:p>
+        </p:txBody>
+      </p:sp>
+      <p:sp>
+        <p:nvSpPr>
+          <p:cNvPr id="65" name="Textfeld 64">
+            <a:extLst>
+              <a:ext uri="{FF2B5EF4-FFF2-40B4-BE49-F238E27FC236}">
+                <a16:creationId xmlns:a16="http://schemas.microsoft.com/office/drawing/2014/main" id="{1714AB17-0194-4331-AE9F-A607EE2DAC1E}"/>
+              </a:ext>
+            </a:extLst>
+          </p:cNvPr>
+          <p:cNvSpPr txBox="1"/>
+          <p:nvPr/>
+        </p:nvSpPr>
+        <p:spPr>
+          <a:xfrm>
+            <a:off x="4226035" y="2872637"/>
+            <a:ext cx="1151277" cy="261610"/>
+          </a:xfrm>
+          <a:prstGeom prst="rect">
+            <a:avLst/>
+          </a:prstGeom>
+          <a:noFill/>
+        </p:spPr>
+        <p:txBody>
           <a:bodyPr wrap="none" rtlCol="0">
             <a:spAutoFit/>
           </a:bodyPr>
           <a:lstStyle/>
           <a:p>
             <a:r>
-              <a:rPr lang="en-US" sz="1000" dirty="0"/>
-              <a:t>t</a:t>
-            </a:r>
-            <a:r>
-              <a:rPr lang="en-US" sz="800" dirty="0"/>
-              <a:t>1 (C2) = 24:40 </a:t>
-            </a:r>
-            <a:endParaRPr lang="de-DE" sz="1000" dirty="0"/>
-          </a:p>
-        </p:txBody>
-      </p:sp>
-      <p:sp>
-        <p:nvSpPr>
-          <p:cNvPr id="65" name="Textfeld 64">
-            <a:extLst>
-              <a:ext uri="{FF2B5EF4-FFF2-40B4-BE49-F238E27FC236}">
-                <a16:creationId xmlns:a16="http://schemas.microsoft.com/office/drawing/2014/main" id="{1714AB17-0194-4331-AE9F-A607EE2DAC1E}"/>
-              </a:ext>
-            </a:extLst>
-          </p:cNvPr>
-          <p:cNvSpPr txBox="1"/>
-          <p:nvPr/>
-        </p:nvSpPr>
-        <p:spPr>
-          <a:xfrm>
-            <a:off x="4400550" y="1438410"/>
-            <a:ext cx="816249" cy="246221"/>
-          </a:xfrm>
-          <a:prstGeom prst="rect">
-            <a:avLst/>
-          </a:prstGeom>
-          <a:noFill/>
-        </p:spPr>
-        <p:txBody>
-          <a:bodyPr wrap="none" rtlCol="0">
-            <a:spAutoFit/>
-          </a:bodyPr>
-          <a:lstStyle/>
-          <a:p>
-            <a:r>
-              <a:rPr lang="en-US" sz="1000" dirty="0"/>
-              <a:t>T</a:t>
-            </a:r>
-            <a:r>
-              <a:rPr lang="en-US" sz="800" dirty="0"/>
-              <a:t>2 (C1) = 28:15</a:t>
-            </a:r>
-            <a:endParaRPr lang="de-DE" sz="1000" dirty="0"/>
+              <a:rPr lang="en-US" sz="1100" dirty="0" err="1"/>
+              <a:t>Tdiv</a:t>
+            </a:r>
+            <a:r>
+              <a:rPr lang="en-US" sz="1100" dirty="0"/>
+              <a:t> (C1) = 28:15</a:t>
+            </a:r>
+            <a:endParaRPr lang="de-DE" sz="1100" dirty="0"/>
           </a:p>
         </p:txBody>
       </p:sp>
@@ -4606,8 +4602,8 @@
         </p:nvCxnSpPr>
         <p:spPr>
           <a:xfrm>
-            <a:off x="2212461" y="2411264"/>
-            <a:ext cx="1654689" cy="2371"/>
+            <a:off x="2212461" y="2411265"/>
+            <a:ext cx="1610874" cy="18686"/>
           </a:xfrm>
           <a:prstGeom prst="straightConnector1">
             <a:avLst/>
@@ -4694,8 +4690,8 @@
         </p:nvSpPr>
         <p:spPr>
           <a:xfrm>
-            <a:off x="2757957" y="2429951"/>
-            <a:ext cx="548548" cy="215444"/>
+            <a:off x="2672643" y="2429614"/>
+            <a:ext cx="712054" cy="261610"/>
           </a:xfrm>
           <a:prstGeom prst="rect">
             <a:avLst/>
@@ -4709,22 +4705,22 @@
           <a:lstStyle/>
           <a:p>
             <a:r>
-              <a:rPr lang="en-US" sz="800" dirty="0" err="1">
+              <a:rPr lang="en-US" sz="1100" dirty="0" err="1">
                 <a:solidFill>
                   <a:schemeClr val="accent1"/>
                 </a:solidFill>
               </a:rPr>
-              <a:t>Tdiv</a:t>
-            </a:r>
-            <a:r>
-              <a:rPr lang="en-US" sz="800" dirty="0">
+              <a:t>Tccd</a:t>
+            </a:r>
+            <a:r>
+              <a:rPr lang="en-US" sz="1100" dirty="0">
                 <a:solidFill>
                   <a:schemeClr val="accent1"/>
                 </a:solidFill>
               </a:rPr>
               <a:t> (C2)</a:t>
             </a:r>
-            <a:endParaRPr lang="de-DE" sz="800" dirty="0">
+            <a:endParaRPr lang="de-DE" sz="1100" dirty="0">
               <a:solidFill>
                 <a:schemeClr val="accent1"/>
               </a:solidFill>
@@ -4746,8 +4742,8 @@
         </p:nvSpPr>
         <p:spPr>
           <a:xfrm>
-            <a:off x="3165016" y="1291288"/>
-            <a:ext cx="548548" cy="215444"/>
+            <a:off x="2925739" y="1236232"/>
+            <a:ext cx="712054" cy="261610"/>
           </a:xfrm>
           <a:prstGeom prst="rect">
             <a:avLst/>
@@ -4761,22 +4757,22 @@
           <a:lstStyle/>
           <a:p>
             <a:r>
-              <a:rPr lang="en-US" sz="800" dirty="0" err="1">
+              <a:rPr lang="en-US" sz="1100" dirty="0" err="1">
                 <a:solidFill>
                   <a:schemeClr val="accent1"/>
                 </a:solidFill>
               </a:rPr>
-              <a:t>Tdiv</a:t>
-            </a:r>
-            <a:r>
-              <a:rPr lang="en-US" sz="800" dirty="0">
+              <a:t>Tccd</a:t>
+            </a:r>
+            <a:r>
+              <a:rPr lang="en-US" sz="1100" dirty="0">
                 <a:solidFill>
                   <a:schemeClr val="accent1"/>
                 </a:solidFill>
               </a:rPr>
               <a:t> (C1)</a:t>
             </a:r>
-            <a:endParaRPr lang="de-DE" sz="800" dirty="0">
+            <a:endParaRPr lang="de-DE" sz="1100" dirty="0">
               <a:solidFill>
                 <a:schemeClr val="accent1"/>
               </a:solidFill>
@@ -4784,6 +4780,226 @@
           </a:p>
         </p:txBody>
       </p:sp>
+      <p:cxnSp>
+        <p:nvCxnSpPr>
+          <p:cNvPr id="4" name="Gerader Verbinder 3">
+            <a:extLst>
+              <a:ext uri="{FF2B5EF4-FFF2-40B4-BE49-F238E27FC236}">
+                <a16:creationId xmlns:a16="http://schemas.microsoft.com/office/drawing/2014/main" id="{C8B1581B-9681-46D1-8FE2-E3A273FBDADD}"/>
+              </a:ext>
+            </a:extLst>
+          </p:cNvPr>
+          <p:cNvCxnSpPr>
+            <a:cxnSpLocks/>
+            <a:stCxn id="8" idx="2"/>
+          </p:cNvCxnSpPr>
+          <p:nvPr/>
+        </p:nvCxnSpPr>
+        <p:spPr>
+          <a:xfrm flipH="1">
+            <a:off x="2045036" y="1297744"/>
+            <a:ext cx="24469" cy="1561280"/>
+          </a:xfrm>
+          <a:prstGeom prst="line">
+            <a:avLst/>
+          </a:prstGeom>
+          <a:ln w="19050">
+            <a:solidFill>
+              <a:schemeClr val="tx1"/>
+            </a:solidFill>
+            <a:prstDash val="sysDash"/>
+          </a:ln>
+        </p:spPr>
+        <p:style>
+          <a:lnRef idx="1">
+            <a:schemeClr val="accent1"/>
+          </a:lnRef>
+          <a:fillRef idx="0">
+            <a:schemeClr val="accent1"/>
+          </a:fillRef>
+          <a:effectRef idx="0">
+            <a:schemeClr val="accent1"/>
+          </a:effectRef>
+          <a:fontRef idx="minor">
+            <a:schemeClr val="tx1"/>
+          </a:fontRef>
+        </p:style>
+      </p:cxnSp>
+      <p:cxnSp>
+        <p:nvCxnSpPr>
+          <p:cNvPr id="35" name="Gerader Verbinder 34">
+            <a:extLst>
+              <a:ext uri="{FF2B5EF4-FFF2-40B4-BE49-F238E27FC236}">
+                <a16:creationId xmlns:a16="http://schemas.microsoft.com/office/drawing/2014/main" id="{7746C179-E302-42C2-96DE-B07BE7E4802E}"/>
+              </a:ext>
+            </a:extLst>
+          </p:cNvPr>
+          <p:cNvCxnSpPr>
+            <a:cxnSpLocks/>
+          </p:cNvCxnSpPr>
+          <p:nvPr/>
+        </p:nvCxnSpPr>
+        <p:spPr>
+          <a:xfrm>
+            <a:off x="3848151" y="2090944"/>
+            <a:ext cx="0" cy="768080"/>
+          </a:xfrm>
+          <a:prstGeom prst="line">
+            <a:avLst/>
+          </a:prstGeom>
+          <a:ln w="19050">
+            <a:solidFill>
+              <a:schemeClr val="tx1"/>
+            </a:solidFill>
+            <a:prstDash val="sysDash"/>
+          </a:ln>
+        </p:spPr>
+        <p:style>
+          <a:lnRef idx="1">
+            <a:schemeClr val="accent1"/>
+          </a:lnRef>
+          <a:fillRef idx="0">
+            <a:schemeClr val="accent1"/>
+          </a:fillRef>
+          <a:effectRef idx="0">
+            <a:schemeClr val="accent1"/>
+          </a:effectRef>
+          <a:fontRef idx="minor">
+            <a:schemeClr val="tx1"/>
+          </a:fontRef>
+        </p:style>
+      </p:cxnSp>
+      <p:cxnSp>
+        <p:nvCxnSpPr>
+          <p:cNvPr id="41" name="Gerader Verbinder 40">
+            <a:extLst>
+              <a:ext uri="{FF2B5EF4-FFF2-40B4-BE49-F238E27FC236}">
+                <a16:creationId xmlns:a16="http://schemas.microsoft.com/office/drawing/2014/main" id="{BB937B2C-FD02-4AE9-881E-01508FAB3536}"/>
+              </a:ext>
+            </a:extLst>
+          </p:cNvPr>
+          <p:cNvCxnSpPr>
+            <a:cxnSpLocks/>
+          </p:cNvCxnSpPr>
+          <p:nvPr/>
+        </p:nvCxnSpPr>
+        <p:spPr>
+          <a:xfrm>
+            <a:off x="4400550" y="1253482"/>
+            <a:ext cx="0" cy="1605542"/>
+          </a:xfrm>
+          <a:prstGeom prst="line">
+            <a:avLst/>
+          </a:prstGeom>
+          <a:ln w="19050">
+            <a:solidFill>
+              <a:schemeClr val="tx1"/>
+            </a:solidFill>
+            <a:prstDash val="sysDash"/>
+          </a:ln>
+        </p:spPr>
+        <p:style>
+          <a:lnRef idx="1">
+            <a:schemeClr val="accent1"/>
+          </a:lnRef>
+          <a:fillRef idx="0">
+            <a:schemeClr val="accent1"/>
+          </a:fillRef>
+          <a:effectRef idx="0">
+            <a:schemeClr val="accent1"/>
+          </a:effectRef>
+          <a:fontRef idx="minor">
+            <a:schemeClr val="tx1"/>
+          </a:fontRef>
+        </p:style>
+      </p:cxnSp>
+      <p:cxnSp>
+        <p:nvCxnSpPr>
+          <p:cNvPr id="30" name="Gerade Verbindung mit Pfeil 29">
+            <a:extLst>
+              <a:ext uri="{FF2B5EF4-FFF2-40B4-BE49-F238E27FC236}">
+                <a16:creationId xmlns:a16="http://schemas.microsoft.com/office/drawing/2014/main" id="{9DF9532B-25E1-4AAF-B9A5-86E561AEF26A}"/>
+              </a:ext>
+            </a:extLst>
+          </p:cNvPr>
+          <p:cNvCxnSpPr>
+            <a:cxnSpLocks/>
+          </p:cNvCxnSpPr>
+          <p:nvPr/>
+        </p:nvCxnSpPr>
+        <p:spPr>
+          <a:xfrm>
+            <a:off x="1470961" y="2877312"/>
+            <a:ext cx="4572000" cy="0"/>
+          </a:xfrm>
+          <a:prstGeom prst="straightConnector1">
+            <a:avLst/>
+          </a:prstGeom>
+          <a:ln w="19050">
+            <a:solidFill>
+              <a:schemeClr val="tx1"/>
+            </a:solidFill>
+            <a:tailEnd type="triangle"/>
+          </a:ln>
+        </p:spPr>
+        <p:style>
+          <a:lnRef idx="1">
+            <a:schemeClr val="accent1"/>
+          </a:lnRef>
+          <a:fillRef idx="0">
+            <a:schemeClr val="accent1"/>
+          </a:fillRef>
+          <a:effectRef idx="0">
+            <a:schemeClr val="accent1"/>
+          </a:effectRef>
+          <a:fontRef idx="minor">
+            <a:schemeClr val="tx1"/>
+          </a:fontRef>
+        </p:style>
+      </p:cxnSp>
+      <p:cxnSp>
+        <p:nvCxnSpPr>
+          <p:cNvPr id="43" name="Gerader Verbinder 42">
+            <a:extLst>
+              <a:ext uri="{FF2B5EF4-FFF2-40B4-BE49-F238E27FC236}">
+                <a16:creationId xmlns:a16="http://schemas.microsoft.com/office/drawing/2014/main" id="{803DA5BC-2A84-492B-8D12-A9E16372E35E}"/>
+              </a:ext>
+            </a:extLst>
+          </p:cNvPr>
+          <p:cNvCxnSpPr>
+            <a:cxnSpLocks/>
+          </p:cNvCxnSpPr>
+          <p:nvPr/>
+        </p:nvCxnSpPr>
+        <p:spPr>
+          <a:xfrm>
+            <a:off x="1470961" y="2807249"/>
+            <a:ext cx="0" cy="140126"/>
+          </a:xfrm>
+          <a:prstGeom prst="line">
+            <a:avLst/>
+          </a:prstGeom>
+          <a:ln w="19050">
+            <a:solidFill>
+              <a:schemeClr val="tx1"/>
+            </a:solidFill>
+          </a:ln>
+        </p:spPr>
+        <p:style>
+          <a:lnRef idx="1">
+            <a:schemeClr val="accent1"/>
+          </a:lnRef>
+          <a:fillRef idx="0">
+            <a:schemeClr val="accent1"/>
+          </a:fillRef>
+          <a:effectRef idx="0">
+            <a:schemeClr val="accent1"/>
+          </a:effectRef>
+          <a:fontRef idx="minor">
+            <a:schemeClr val="tx1"/>
+          </a:fontRef>
+        </p:style>
+      </p:cxnSp>
     </p:spTree>
     <p:extLst>
       <p:ext uri="{BB962C8B-B14F-4D97-AF65-F5344CB8AC3E}">
